--- a/Apresentações/TRE DMAIC - Analyze - Resultado Obtidos.pptx
+++ b/Apresentações/TRE DMAIC - Analyze - Resultado Obtidos.pptx
@@ -7,10 +7,12 @@
   <p:sldIdLst>
     <p:sldId id="256" r:id="rId2"/>
     <p:sldId id="257" r:id="rId3"/>
-    <p:sldId id="258" r:id="rId4"/>
-    <p:sldId id="259" r:id="rId5"/>
-    <p:sldId id="260" r:id="rId6"/>
-    <p:sldId id="261" r:id="rId7"/>
+    <p:sldId id="262" r:id="rId4"/>
+    <p:sldId id="258" r:id="rId5"/>
+    <p:sldId id="259" r:id="rId6"/>
+    <p:sldId id="263" r:id="rId7"/>
+    <p:sldId id="260" r:id="rId8"/>
+    <p:sldId id="261" r:id="rId9"/>
   </p:sldIdLst>
   <p:sldSz cx="12192000" cy="6858000"/>
   <p:notesSz cx="6858000" cy="9144000"/>
@@ -345,7 +347,7 @@
           <a:p>
             <a:fld id="{5A069CB8-F204-4D06-B913-C5A26A89888A}" type="datetimeFigureOut">
               <a:rPr lang="en-US" dirty="0"/>
-              <a:t>11/22/2017</a:t>
+              <a:t>11/23/2017</a:t>
             </a:fld>
             <a:endParaRPr lang="en-US" dirty="0"/>
           </a:p>
@@ -387,7 +389,7 @@
           <a:p>
             <a:fld id="{4FAB73BC-B049-4115-A692-8D63A059BFB8}" type="slidenum">
               <a:rPr lang="en-US" dirty="0"/>
-              <a:t>‹#›</a:t>
+              <a:t>‹nº›</a:t>
             </a:fld>
             <a:endParaRPr lang="en-US" dirty="0"/>
           </a:p>
@@ -548,7 +550,7 @@
           <a:p>
             <a:fld id="{50B6E300-0A13-4A81-945A-7333C271A069}" type="datetimeFigureOut">
               <a:rPr lang="en-US" dirty="0"/>
-              <a:t>11/22/2017</a:t>
+              <a:t>11/23/2017</a:t>
             </a:fld>
             <a:endParaRPr lang="en-US" dirty="0"/>
           </a:p>
@@ -590,7 +592,7 @@
           <a:p>
             <a:fld id="{4FAB73BC-B049-4115-A692-8D63A059BFB8}" type="slidenum">
               <a:rPr lang="en-US" dirty="0"/>
-              <a:t>‹#›</a:t>
+              <a:t>‹nº›</a:t>
             </a:fld>
             <a:endParaRPr lang="en-US" dirty="0"/>
           </a:p>
@@ -801,7 +803,7 @@
           <a:p>
             <a:fld id="{34671962-1EA4-46E7-BCB0-F36CE46D1A59}" type="datetimeFigureOut">
               <a:rPr lang="en-US" dirty="0"/>
-              <a:t>11/22/2017</a:t>
+              <a:t>11/23/2017</a:t>
             </a:fld>
             <a:endParaRPr lang="en-US" dirty="0"/>
           </a:p>
@@ -843,7 +845,7 @@
           <a:p>
             <a:fld id="{4FAB73BC-B049-4115-A692-8D63A059BFB8}" type="slidenum">
               <a:rPr lang="en-US" dirty="0"/>
-              <a:t>‹#›</a:t>
+              <a:t>‹nº›</a:t>
             </a:fld>
             <a:endParaRPr lang="en-US" dirty="0"/>
           </a:p>
@@ -966,7 +968,7 @@
           <a:p>
             <a:fld id="{D30BB376-B19C-488D-ABEB-03C7E6E9E3E0}" type="datetimeFigureOut">
               <a:rPr lang="en-US" dirty="0"/>
-              <a:t>11/22/2017</a:t>
+              <a:t>11/23/2017</a:t>
             </a:fld>
             <a:endParaRPr lang="en-US" dirty="0"/>
           </a:p>
@@ -1008,7 +1010,7 @@
           <a:p>
             <a:fld id="{629637A9-119A-49DA-BD12-AAC58B377D80}" type="slidenum">
               <a:rPr lang="en-US" dirty="0"/>
-              <a:t>‹#›</a:t>
+              <a:t>‹nº›</a:t>
             </a:fld>
             <a:endParaRPr lang="en-US" dirty="0"/>
           </a:p>
@@ -1298,7 +1300,7 @@
           <a:p>
             <a:fld id="{486F077B-A50F-4D64-8574-E2D6A98A5553}" type="datetimeFigureOut">
               <a:rPr lang="en-US" dirty="0"/>
-              <a:t>11/22/2017</a:t>
+              <a:t>11/23/2017</a:t>
             </a:fld>
             <a:endParaRPr lang="en-US" dirty="0"/>
           </a:p>
@@ -1340,7 +1342,7 @@
           <a:p>
             <a:fld id="{4FAB73BC-B049-4115-A692-8D63A059BFB8}" type="slidenum">
               <a:rPr lang="en-US" dirty="0"/>
-              <a:t>‹#›</a:t>
+              <a:t>‹nº›</a:t>
             </a:fld>
             <a:endParaRPr lang="en-US" dirty="0"/>
           </a:p>
@@ -1568,7 +1570,7 @@
           <a:p>
             <a:fld id="{7D9E2A62-1983-43A1-A163-D8AA46534C80}" type="datetimeFigureOut">
               <a:rPr lang="en-US" dirty="0"/>
-              <a:t>11/22/2017</a:t>
+              <a:t>11/23/2017</a:t>
             </a:fld>
             <a:endParaRPr lang="en-US" dirty="0"/>
           </a:p>
@@ -1610,7 +1612,7 @@
           <a:p>
             <a:fld id="{4FAB73BC-B049-4115-A692-8D63A059BFB8}" type="slidenum">
               <a:rPr lang="en-US" dirty="0"/>
-              <a:t>‹#›</a:t>
+              <a:t>‹nº›</a:t>
             </a:fld>
             <a:endParaRPr lang="en-US" dirty="0"/>
           </a:p>
@@ -1942,7 +1944,7 @@
           <a:p>
             <a:fld id="{898F3E3B-34E3-4345-B2A1-994B83598A9C}" type="datetimeFigureOut">
               <a:rPr lang="en-US" dirty="0"/>
-              <a:t>11/22/2017</a:t>
+              <a:t>11/23/2017</a:t>
             </a:fld>
             <a:endParaRPr lang="en-US" dirty="0"/>
           </a:p>
@@ -1984,7 +1986,7 @@
           <a:p>
             <a:fld id="{4FAB73BC-B049-4115-A692-8D63A059BFB8}" type="slidenum">
               <a:rPr lang="en-US" dirty="0"/>
-              <a:t>‹#›</a:t>
+              <a:t>‹nº›</a:t>
             </a:fld>
             <a:endParaRPr lang="en-US" dirty="0"/>
           </a:p>
@@ -2055,7 +2057,7 @@
           <a:p>
             <a:fld id="{FD816C96-82A1-4D77-8ADA-627AC6FE3D65}" type="datetimeFigureOut">
               <a:rPr lang="en-US" dirty="0"/>
-              <a:t>11/22/2017</a:t>
+              <a:t>11/23/2017</a:t>
             </a:fld>
             <a:endParaRPr lang="en-US" dirty="0"/>
           </a:p>
@@ -2097,7 +2099,7 @@
           <a:p>
             <a:fld id="{4FAB73BC-B049-4115-A692-8D63A059BFB8}" type="slidenum">
               <a:rPr lang="en-US" dirty="0"/>
-              <a:t>‹#›</a:t>
+              <a:t>‹nº›</a:t>
             </a:fld>
             <a:endParaRPr lang="en-US" dirty="0"/>
           </a:p>
@@ -2223,7 +2225,7 @@
           <a:p>
             <a:fld id="{1D102C1E-28F2-47E9-802D-339E64E2F920}" type="datetimeFigureOut">
               <a:rPr lang="en-US" dirty="0"/>
-              <a:t>11/22/2017</a:t>
+              <a:t>11/23/2017</a:t>
             </a:fld>
             <a:endParaRPr lang="en-US" dirty="0"/>
           </a:p>
@@ -2274,7 +2276,7 @@
             <a:fld id="{4FAB73BC-B049-4115-A692-8D63A059BFB8}" type="slidenum">
               <a:rPr lang="en-US" dirty="0"/>
               <a:pPr/>
-              <a:t>‹#›</a:t>
+              <a:t>‹nº›</a:t>
             </a:fld>
             <a:endParaRPr lang="en-US" dirty="0"/>
           </a:p>
@@ -2575,7 +2577,7 @@
           <a:p>
             <a:fld id="{24271A48-F18A-45B3-BC05-1E27DA3F88AF}" type="datetimeFigureOut">
               <a:rPr lang="en-US" dirty="0"/>
-              <a:t>11/22/2017</a:t>
+              <a:t>11/23/2017</a:t>
             </a:fld>
             <a:endParaRPr lang="en-US" dirty="0"/>
           </a:p>
@@ -2639,7 +2641,7 @@
             <a:fld id="{4FAB73BC-B049-4115-A692-8D63A059BFB8}" type="slidenum">
               <a:rPr lang="en-US" dirty="0"/>
               <a:pPr/>
-              <a:t>‹#›</a:t>
+              <a:t>‹nº›</a:t>
             </a:fld>
             <a:endParaRPr lang="en-US" dirty="0"/>
           </a:p>
@@ -2950,7 +2952,7 @@
           <a:p>
             <a:fld id="{65B747F8-9654-4282-85D2-65F41AAE7A75}" type="datetimeFigureOut">
               <a:rPr lang="en-US" dirty="0"/>
-              <a:t>11/22/2017</a:t>
+              <a:t>11/23/2017</a:t>
             </a:fld>
             <a:endParaRPr lang="en-US" dirty="0"/>
           </a:p>
@@ -2992,7 +2994,7 @@
           <a:p>
             <a:fld id="{4FAB73BC-B049-4115-A692-8D63A059BFB8}" type="slidenum">
               <a:rPr lang="en-US" dirty="0"/>
-              <a:t>‹#›</a:t>
+              <a:t>‹nº›</a:t>
             </a:fld>
             <a:endParaRPr lang="en-US" dirty="0"/>
           </a:p>
@@ -3234,7 +3236,7 @@
           <a:p>
             <a:fld id="{5DC5B261-8843-42D1-AAFC-05E20E2D9B97}" type="datetimeFigureOut">
               <a:rPr lang="en-US" dirty="0"/>
-              <a:t>11/22/2017</a:t>
+              <a:t>11/23/2017</a:t>
             </a:fld>
             <a:endParaRPr lang="en-US" dirty="0"/>
           </a:p>
@@ -3309,7 +3311,7 @@
             <a:fld id="{4FAB73BC-B049-4115-A692-8D63A059BFB8}" type="slidenum">
               <a:rPr lang="en-US" dirty="0"/>
               <a:pPr/>
-              <a:t>‹#›</a:t>
+              <a:t>‹nº›</a:t>
             </a:fld>
             <a:endParaRPr lang="en-US" dirty="0"/>
           </a:p>
@@ -3909,37 +3911,416 @@
       </p:grpSpPr>
       <p:pic>
         <p:nvPicPr>
-          <p:cNvPr id="3" name="Imagem 25"/>
+          <p:cNvPr id="5" name="Imagem 4"/>
           <p:cNvPicPr>
             <a:picLocks noChangeAspect="1"/>
           </p:cNvPicPr>
           <p:nvPr/>
         </p:nvPicPr>
-        <p:blipFill rotWithShape="1">
-          <a:blip r:embed="rId2">
-            <a:extLst>
-              <a:ext uri="{28A0092B-C50C-407E-A947-70E740481C1C}">
-                <a14:useLocalDpi xmlns:a14="http://schemas.microsoft.com/office/drawing/2010/main" val="0"/>
-              </a:ext>
-            </a:extLst>
-          </a:blip>
-          <a:srcRect l="3725" t="28595" r="533" b="19608"/>
-          <a:stretch/>
+        <p:blipFill>
+          <a:blip r:embed="rId2"/>
+          <a:stretch>
+            <a:fillRect/>
+          </a:stretch>
         </p:blipFill>
         <p:spPr>
           <a:xfrm>
-            <a:off x="0" y="0"/>
-            <a:ext cx="12192000" cy="5855854"/>
+            <a:off x="529998" y="623083"/>
+            <a:ext cx="11036568" cy="4814820"/>
           </a:xfrm>
           <a:prstGeom prst="rect">
             <a:avLst/>
           </a:prstGeom>
         </p:spPr>
       </p:pic>
+      <p:grpSp>
+        <p:nvGrpSpPr>
+          <p:cNvPr id="23" name="Grupo 22"/>
+          <p:cNvGrpSpPr/>
+          <p:nvPr/>
+        </p:nvGrpSpPr>
+        <p:grpSpPr>
+          <a:xfrm>
+            <a:off x="3905250" y="1866900"/>
+            <a:ext cx="2181226" cy="638175"/>
+            <a:chOff x="3905250" y="1866900"/>
+            <a:chExt cx="2181226" cy="638175"/>
+          </a:xfrm>
+        </p:grpSpPr>
+        <p:cxnSp>
+          <p:nvCxnSpPr>
+            <p:cNvPr id="13" name="Conector reto 12"/>
+            <p:cNvCxnSpPr/>
+            <p:nvPr/>
+          </p:nvCxnSpPr>
+          <p:spPr>
+            <a:xfrm flipH="1" flipV="1">
+              <a:off x="6076950" y="1866900"/>
+              <a:ext cx="9526" cy="638175"/>
+            </a:xfrm>
+            <a:prstGeom prst="line">
+              <a:avLst/>
+            </a:prstGeom>
+            <a:ln w="22225">
+              <a:solidFill>
+                <a:schemeClr val="tx1"/>
+              </a:solidFill>
+            </a:ln>
+          </p:spPr>
+          <p:style>
+            <a:lnRef idx="1">
+              <a:schemeClr val="accent1"/>
+            </a:lnRef>
+            <a:fillRef idx="0">
+              <a:schemeClr val="accent1"/>
+            </a:fillRef>
+            <a:effectRef idx="0">
+              <a:schemeClr val="accent1"/>
+            </a:effectRef>
+            <a:fontRef idx="minor">
+              <a:schemeClr val="tx1"/>
+            </a:fontRef>
+          </p:style>
+        </p:cxnSp>
+        <p:cxnSp>
+          <p:nvCxnSpPr>
+            <p:cNvPr id="15" name="Conector reto 14"/>
+            <p:cNvCxnSpPr/>
+            <p:nvPr/>
+          </p:nvCxnSpPr>
+          <p:spPr>
+            <a:xfrm flipH="1" flipV="1">
+              <a:off x="3905250" y="1866900"/>
+              <a:ext cx="9526" cy="638175"/>
+            </a:xfrm>
+            <a:prstGeom prst="line">
+              <a:avLst/>
+            </a:prstGeom>
+            <a:ln w="22225">
+              <a:solidFill>
+                <a:schemeClr val="tx1"/>
+              </a:solidFill>
+              <a:headEnd type="triangle"/>
+            </a:ln>
+          </p:spPr>
+          <p:style>
+            <a:lnRef idx="1">
+              <a:schemeClr val="accent1"/>
+            </a:lnRef>
+            <a:fillRef idx="0">
+              <a:schemeClr val="accent1"/>
+            </a:fillRef>
+            <a:effectRef idx="0">
+              <a:schemeClr val="accent1"/>
+            </a:effectRef>
+            <a:fontRef idx="minor">
+              <a:schemeClr val="tx1"/>
+            </a:fontRef>
+          </p:style>
+        </p:cxnSp>
+        <p:cxnSp>
+          <p:nvCxnSpPr>
+            <p:cNvPr id="17" name="Conector reto 16"/>
+            <p:cNvCxnSpPr/>
+            <p:nvPr/>
+          </p:nvCxnSpPr>
+          <p:spPr>
+            <a:xfrm flipH="1">
+              <a:off x="3914776" y="1866900"/>
+              <a:ext cx="2162174" cy="0"/>
+            </a:xfrm>
+            <a:prstGeom prst="line">
+              <a:avLst/>
+            </a:prstGeom>
+            <a:ln w="22225">
+              <a:solidFill>
+                <a:schemeClr val="tx1"/>
+              </a:solidFill>
+            </a:ln>
+          </p:spPr>
+          <p:style>
+            <a:lnRef idx="1">
+              <a:schemeClr val="accent1"/>
+            </a:lnRef>
+            <a:fillRef idx="0">
+              <a:schemeClr val="accent1"/>
+            </a:fillRef>
+            <a:effectRef idx="0">
+              <a:schemeClr val="accent1"/>
+            </a:effectRef>
+            <a:fontRef idx="minor">
+              <a:schemeClr val="tx1"/>
+            </a:fontRef>
+          </p:style>
+        </p:cxnSp>
+      </p:grpSp>
+      <p:grpSp>
+        <p:nvGrpSpPr>
+          <p:cNvPr id="24" name="Grupo 23"/>
+          <p:cNvGrpSpPr/>
+          <p:nvPr/>
+        </p:nvGrpSpPr>
+        <p:grpSpPr>
+          <a:xfrm>
+            <a:off x="8309016" y="1871662"/>
+            <a:ext cx="2181226" cy="638175"/>
+            <a:chOff x="8309016" y="1871662"/>
+            <a:chExt cx="2181226" cy="638175"/>
+          </a:xfrm>
+        </p:grpSpPr>
+        <p:cxnSp>
+          <p:nvCxnSpPr>
+            <p:cNvPr id="18" name="Conector reto 17"/>
+            <p:cNvCxnSpPr/>
+            <p:nvPr/>
+          </p:nvCxnSpPr>
+          <p:spPr>
+            <a:xfrm flipH="1" flipV="1">
+              <a:off x="10480716" y="1871662"/>
+              <a:ext cx="9526" cy="638175"/>
+            </a:xfrm>
+            <a:prstGeom prst="line">
+              <a:avLst/>
+            </a:prstGeom>
+            <a:ln w="22225">
+              <a:solidFill>
+                <a:schemeClr val="tx1"/>
+              </a:solidFill>
+            </a:ln>
+          </p:spPr>
+          <p:style>
+            <a:lnRef idx="1">
+              <a:schemeClr val="accent1"/>
+            </a:lnRef>
+            <a:fillRef idx="0">
+              <a:schemeClr val="accent1"/>
+            </a:fillRef>
+            <a:effectRef idx="0">
+              <a:schemeClr val="accent1"/>
+            </a:effectRef>
+            <a:fontRef idx="minor">
+              <a:schemeClr val="tx1"/>
+            </a:fontRef>
+          </p:style>
+        </p:cxnSp>
+        <p:cxnSp>
+          <p:nvCxnSpPr>
+            <p:cNvPr id="19" name="Conector reto 18"/>
+            <p:cNvCxnSpPr/>
+            <p:nvPr/>
+          </p:nvCxnSpPr>
+          <p:spPr>
+            <a:xfrm flipH="1" flipV="1">
+              <a:off x="8309016" y="1871662"/>
+              <a:ext cx="9526" cy="638175"/>
+            </a:xfrm>
+            <a:prstGeom prst="line">
+              <a:avLst/>
+            </a:prstGeom>
+            <a:ln w="22225">
+              <a:solidFill>
+                <a:schemeClr val="tx1"/>
+              </a:solidFill>
+              <a:headEnd type="triangle"/>
+            </a:ln>
+          </p:spPr>
+          <p:style>
+            <a:lnRef idx="1">
+              <a:schemeClr val="accent1"/>
+            </a:lnRef>
+            <a:fillRef idx="0">
+              <a:schemeClr val="accent1"/>
+            </a:fillRef>
+            <a:effectRef idx="0">
+              <a:schemeClr val="accent1"/>
+            </a:effectRef>
+            <a:fontRef idx="minor">
+              <a:schemeClr val="tx1"/>
+            </a:fontRef>
+          </p:style>
+        </p:cxnSp>
+        <p:cxnSp>
+          <p:nvCxnSpPr>
+            <p:cNvPr id="20" name="Conector reto 19"/>
+            <p:cNvCxnSpPr/>
+            <p:nvPr/>
+          </p:nvCxnSpPr>
+          <p:spPr>
+            <a:xfrm flipH="1">
+              <a:off x="8318542" y="1871662"/>
+              <a:ext cx="2162174" cy="0"/>
+            </a:xfrm>
+            <a:prstGeom prst="line">
+              <a:avLst/>
+            </a:prstGeom>
+            <a:ln w="22225">
+              <a:solidFill>
+                <a:schemeClr val="tx1"/>
+              </a:solidFill>
+            </a:ln>
+          </p:spPr>
+          <p:style>
+            <a:lnRef idx="1">
+              <a:schemeClr val="accent1"/>
+            </a:lnRef>
+            <a:fillRef idx="0">
+              <a:schemeClr val="accent1"/>
+            </a:fillRef>
+            <a:effectRef idx="0">
+              <a:schemeClr val="accent1"/>
+            </a:effectRef>
+            <a:fontRef idx="minor">
+              <a:schemeClr val="tx1"/>
+            </a:fontRef>
+          </p:style>
+        </p:cxnSp>
+      </p:grpSp>
+      <p:sp>
+        <p:nvSpPr>
+          <p:cNvPr id="21" name="Multiplicar 20"/>
+          <p:cNvSpPr/>
+          <p:nvPr/>
+        </p:nvSpPr>
+        <p:spPr>
+          <a:xfrm>
+            <a:off x="4313220" y="1200150"/>
+            <a:ext cx="1285875" cy="1333500"/>
+          </a:xfrm>
+          <a:prstGeom prst="mathMultiply">
+            <a:avLst/>
+          </a:prstGeom>
+          <a:gradFill>
+            <a:gsLst>
+              <a:gs pos="0">
+                <a:srgbClr val="FF0000"/>
+              </a:gs>
+              <a:gs pos="74000">
+                <a:schemeClr val="accent1">
+                  <a:lumMod val="45000"/>
+                  <a:lumOff val="55000"/>
+                </a:schemeClr>
+              </a:gs>
+              <a:gs pos="83000">
+                <a:schemeClr val="accent1">
+                  <a:lumMod val="45000"/>
+                  <a:lumOff val="55000"/>
+                </a:schemeClr>
+              </a:gs>
+              <a:gs pos="100000">
+                <a:schemeClr val="accent1">
+                  <a:lumMod val="30000"/>
+                  <a:lumOff val="70000"/>
+                </a:schemeClr>
+              </a:gs>
+            </a:gsLst>
+            <a:lin ang="5400000" scaled="1"/>
+          </a:gradFill>
+          <a:ln>
+            <a:solidFill>
+              <a:srgbClr val="FF0000"/>
+            </a:solidFill>
+          </a:ln>
+        </p:spPr>
+        <p:style>
+          <a:lnRef idx="2">
+            <a:schemeClr val="accent1">
+              <a:shade val="50000"/>
+            </a:schemeClr>
+          </a:lnRef>
+          <a:fillRef idx="1">
+            <a:schemeClr val="accent1"/>
+          </a:fillRef>
+          <a:effectRef idx="0">
+            <a:schemeClr val="accent1"/>
+          </a:effectRef>
+          <a:fontRef idx="minor">
+            <a:schemeClr val="lt1"/>
+          </a:fontRef>
+        </p:style>
+        <p:txBody>
+          <a:bodyPr rtlCol="0" anchor="ctr"/>
+          <a:lstStyle/>
+          <a:p>
+            <a:pPr algn="ctr"/>
+            <a:endParaRPr lang="pt-BR"/>
+          </a:p>
+        </p:txBody>
+      </p:sp>
+      <p:sp>
+        <p:nvSpPr>
+          <p:cNvPr id="22" name="Multiplicar 21"/>
+          <p:cNvSpPr/>
+          <p:nvPr/>
+        </p:nvSpPr>
+        <p:spPr>
+          <a:xfrm>
+            <a:off x="8756691" y="1171575"/>
+            <a:ext cx="1285875" cy="1333500"/>
+          </a:xfrm>
+          <a:prstGeom prst="mathMultiply">
+            <a:avLst/>
+          </a:prstGeom>
+          <a:gradFill>
+            <a:gsLst>
+              <a:gs pos="0">
+                <a:srgbClr val="FF0000"/>
+              </a:gs>
+              <a:gs pos="74000">
+                <a:schemeClr val="accent1">
+                  <a:lumMod val="45000"/>
+                  <a:lumOff val="55000"/>
+                </a:schemeClr>
+              </a:gs>
+              <a:gs pos="83000">
+                <a:schemeClr val="accent1">
+                  <a:lumMod val="45000"/>
+                  <a:lumOff val="55000"/>
+                </a:schemeClr>
+              </a:gs>
+              <a:gs pos="100000">
+                <a:schemeClr val="accent1">
+                  <a:lumMod val="30000"/>
+                  <a:lumOff val="70000"/>
+                </a:schemeClr>
+              </a:gs>
+            </a:gsLst>
+            <a:lin ang="5400000" scaled="1"/>
+          </a:gradFill>
+          <a:ln>
+            <a:solidFill>
+              <a:srgbClr val="FF0000"/>
+            </a:solidFill>
+          </a:ln>
+        </p:spPr>
+        <p:style>
+          <a:lnRef idx="2">
+            <a:schemeClr val="accent1">
+              <a:shade val="50000"/>
+            </a:schemeClr>
+          </a:lnRef>
+          <a:fillRef idx="1">
+            <a:schemeClr val="accent1"/>
+          </a:fillRef>
+          <a:effectRef idx="0">
+            <a:schemeClr val="accent1"/>
+          </a:effectRef>
+          <a:fontRef idx="minor">
+            <a:schemeClr val="lt1"/>
+          </a:fontRef>
+        </p:style>
+        <p:txBody>
+          <a:bodyPr rtlCol="0" anchor="ctr"/>
+          <a:lstStyle/>
+          <a:p>
+            <a:pPr algn="ctr"/>
+            <a:endParaRPr lang="pt-BR"/>
+          </a:p>
+        </p:txBody>
+      </p:sp>
     </p:spTree>
     <p:extLst>
       <p:ext uri="{BB962C8B-B14F-4D97-AF65-F5344CB8AC3E}">
-        <p14:creationId xmlns:p14="http://schemas.microsoft.com/office/powerpoint/2010/main" val="1374810766"/>
+        <p14:creationId xmlns:p14="http://schemas.microsoft.com/office/powerpoint/2010/main" val="735138668"/>
       </p:ext>
     </p:extLst>
   </p:cSld>
@@ -3949,9 +4330,396 @@
   <p:timing>
     <p:tnLst>
       <p:par>
-        <p:cTn id="1" dur="indefinite" restart="never" nodeType="tmRoot"/>
+        <p:cTn id="1" dur="indefinite" restart="never" nodeType="tmRoot">
+          <p:childTnLst>
+            <p:seq concurrent="1" nextAc="seek">
+              <p:cTn id="2" dur="indefinite" nodeType="mainSeq">
+                <p:childTnLst>
+                  <p:par>
+                    <p:cTn id="3" fill="hold">
+                      <p:stCondLst>
+                        <p:cond delay="indefinite"/>
+                      </p:stCondLst>
+                      <p:childTnLst>
+                        <p:par>
+                          <p:cTn id="4" fill="hold">
+                            <p:stCondLst>
+                              <p:cond delay="0"/>
+                            </p:stCondLst>
+                            <p:childTnLst>
+                              <p:par>
+                                <p:cTn id="5" presetID="42" presetClass="entr" presetSubtype="0" fill="hold" nodeType="clickEffect">
+                                  <p:stCondLst>
+                                    <p:cond delay="0"/>
+                                  </p:stCondLst>
+                                  <p:childTnLst>
+                                    <p:set>
+                                      <p:cBhvr>
+                                        <p:cTn id="6" dur="1" fill="hold">
+                                          <p:stCondLst>
+                                            <p:cond delay="0"/>
+                                          </p:stCondLst>
+                                        </p:cTn>
+                                        <p:tgtEl>
+                                          <p:spTgt spid="24"/>
+                                        </p:tgtEl>
+                                        <p:attrNameLst>
+                                          <p:attrName>style.visibility</p:attrName>
+                                        </p:attrNameLst>
+                                      </p:cBhvr>
+                                      <p:to>
+                                        <p:strVal val="visible"/>
+                                      </p:to>
+                                    </p:set>
+                                    <p:animEffect transition="in" filter="fade">
+                                      <p:cBhvr>
+                                        <p:cTn id="7" dur="1000"/>
+                                        <p:tgtEl>
+                                          <p:spTgt spid="24"/>
+                                        </p:tgtEl>
+                                      </p:cBhvr>
+                                    </p:animEffect>
+                                    <p:anim calcmode="lin" valueType="num">
+                                      <p:cBhvr>
+                                        <p:cTn id="8" dur="1000" fill="hold"/>
+                                        <p:tgtEl>
+                                          <p:spTgt spid="24"/>
+                                        </p:tgtEl>
+                                        <p:attrNameLst>
+                                          <p:attrName>ppt_x</p:attrName>
+                                        </p:attrNameLst>
+                                      </p:cBhvr>
+                                      <p:tavLst>
+                                        <p:tav tm="0">
+                                          <p:val>
+                                            <p:strVal val="#ppt_x"/>
+                                          </p:val>
+                                        </p:tav>
+                                        <p:tav tm="100000">
+                                          <p:val>
+                                            <p:strVal val="#ppt_x"/>
+                                          </p:val>
+                                        </p:tav>
+                                      </p:tavLst>
+                                    </p:anim>
+                                    <p:anim calcmode="lin" valueType="num">
+                                      <p:cBhvr>
+                                        <p:cTn id="9" dur="1000" fill="hold"/>
+                                        <p:tgtEl>
+                                          <p:spTgt spid="24"/>
+                                        </p:tgtEl>
+                                        <p:attrNameLst>
+                                          <p:attrName>ppt_y</p:attrName>
+                                        </p:attrNameLst>
+                                      </p:cBhvr>
+                                      <p:tavLst>
+                                        <p:tav tm="0">
+                                          <p:val>
+                                            <p:strVal val="#ppt_y+.1"/>
+                                          </p:val>
+                                        </p:tav>
+                                        <p:tav tm="100000">
+                                          <p:val>
+                                            <p:strVal val="#ppt_y"/>
+                                          </p:val>
+                                        </p:tav>
+                                      </p:tavLst>
+                                    </p:anim>
+                                  </p:childTnLst>
+                                </p:cTn>
+                              </p:par>
+                              <p:par>
+                                <p:cTn id="10" presetID="42" presetClass="entr" presetSubtype="0" fill="hold" nodeType="withEffect">
+                                  <p:stCondLst>
+                                    <p:cond delay="0"/>
+                                  </p:stCondLst>
+                                  <p:childTnLst>
+                                    <p:set>
+                                      <p:cBhvr>
+                                        <p:cTn id="11" dur="1" fill="hold">
+                                          <p:stCondLst>
+                                            <p:cond delay="0"/>
+                                          </p:stCondLst>
+                                        </p:cTn>
+                                        <p:tgtEl>
+                                          <p:spTgt spid="23"/>
+                                        </p:tgtEl>
+                                        <p:attrNameLst>
+                                          <p:attrName>style.visibility</p:attrName>
+                                        </p:attrNameLst>
+                                      </p:cBhvr>
+                                      <p:to>
+                                        <p:strVal val="visible"/>
+                                      </p:to>
+                                    </p:set>
+                                    <p:animEffect transition="in" filter="fade">
+                                      <p:cBhvr>
+                                        <p:cTn id="12" dur="1000"/>
+                                        <p:tgtEl>
+                                          <p:spTgt spid="23"/>
+                                        </p:tgtEl>
+                                      </p:cBhvr>
+                                    </p:animEffect>
+                                    <p:anim calcmode="lin" valueType="num">
+                                      <p:cBhvr>
+                                        <p:cTn id="13" dur="1000" fill="hold"/>
+                                        <p:tgtEl>
+                                          <p:spTgt spid="23"/>
+                                        </p:tgtEl>
+                                        <p:attrNameLst>
+                                          <p:attrName>ppt_x</p:attrName>
+                                        </p:attrNameLst>
+                                      </p:cBhvr>
+                                      <p:tavLst>
+                                        <p:tav tm="0">
+                                          <p:val>
+                                            <p:strVal val="#ppt_x"/>
+                                          </p:val>
+                                        </p:tav>
+                                        <p:tav tm="100000">
+                                          <p:val>
+                                            <p:strVal val="#ppt_x"/>
+                                          </p:val>
+                                        </p:tav>
+                                      </p:tavLst>
+                                    </p:anim>
+                                    <p:anim calcmode="lin" valueType="num">
+                                      <p:cBhvr>
+                                        <p:cTn id="14" dur="1000" fill="hold"/>
+                                        <p:tgtEl>
+                                          <p:spTgt spid="23"/>
+                                        </p:tgtEl>
+                                        <p:attrNameLst>
+                                          <p:attrName>ppt_y</p:attrName>
+                                        </p:attrNameLst>
+                                      </p:cBhvr>
+                                      <p:tavLst>
+                                        <p:tav tm="0">
+                                          <p:val>
+                                            <p:strVal val="#ppt_y+.1"/>
+                                          </p:val>
+                                        </p:tav>
+                                        <p:tav tm="100000">
+                                          <p:val>
+                                            <p:strVal val="#ppt_y"/>
+                                          </p:val>
+                                        </p:tav>
+                                      </p:tavLst>
+                                    </p:anim>
+                                  </p:childTnLst>
+                                </p:cTn>
+                              </p:par>
+                            </p:childTnLst>
+                          </p:cTn>
+                        </p:par>
+                      </p:childTnLst>
+                    </p:cTn>
+                  </p:par>
+                  <p:par>
+                    <p:cTn id="15" fill="hold">
+                      <p:stCondLst>
+                        <p:cond delay="indefinite"/>
+                      </p:stCondLst>
+                      <p:childTnLst>
+                        <p:par>
+                          <p:cTn id="16" fill="hold">
+                            <p:stCondLst>
+                              <p:cond delay="0"/>
+                            </p:stCondLst>
+                            <p:childTnLst>
+                              <p:par>
+                                <p:cTn id="17" presetID="53" presetClass="entr" presetSubtype="16" fill="hold" grpId="0" nodeType="clickEffect">
+                                  <p:stCondLst>
+                                    <p:cond delay="0"/>
+                                  </p:stCondLst>
+                                  <p:childTnLst>
+                                    <p:set>
+                                      <p:cBhvr>
+                                        <p:cTn id="18" dur="1" fill="hold">
+                                          <p:stCondLst>
+                                            <p:cond delay="0"/>
+                                          </p:stCondLst>
+                                        </p:cTn>
+                                        <p:tgtEl>
+                                          <p:spTgt spid="21"/>
+                                        </p:tgtEl>
+                                        <p:attrNameLst>
+                                          <p:attrName>style.visibility</p:attrName>
+                                        </p:attrNameLst>
+                                      </p:cBhvr>
+                                      <p:to>
+                                        <p:strVal val="visible"/>
+                                      </p:to>
+                                    </p:set>
+                                    <p:anim calcmode="lin" valueType="num">
+                                      <p:cBhvr>
+                                        <p:cTn id="19" dur="500" fill="hold"/>
+                                        <p:tgtEl>
+                                          <p:spTgt spid="21"/>
+                                        </p:tgtEl>
+                                        <p:attrNameLst>
+                                          <p:attrName>ppt_w</p:attrName>
+                                        </p:attrNameLst>
+                                      </p:cBhvr>
+                                      <p:tavLst>
+                                        <p:tav tm="0">
+                                          <p:val>
+                                            <p:fltVal val="0"/>
+                                          </p:val>
+                                        </p:tav>
+                                        <p:tav tm="100000">
+                                          <p:val>
+                                            <p:strVal val="#ppt_w"/>
+                                          </p:val>
+                                        </p:tav>
+                                      </p:tavLst>
+                                    </p:anim>
+                                    <p:anim calcmode="lin" valueType="num">
+                                      <p:cBhvr>
+                                        <p:cTn id="20" dur="500" fill="hold"/>
+                                        <p:tgtEl>
+                                          <p:spTgt spid="21"/>
+                                        </p:tgtEl>
+                                        <p:attrNameLst>
+                                          <p:attrName>ppt_h</p:attrName>
+                                        </p:attrNameLst>
+                                      </p:cBhvr>
+                                      <p:tavLst>
+                                        <p:tav tm="0">
+                                          <p:val>
+                                            <p:fltVal val="0"/>
+                                          </p:val>
+                                        </p:tav>
+                                        <p:tav tm="100000">
+                                          <p:val>
+                                            <p:strVal val="#ppt_h"/>
+                                          </p:val>
+                                        </p:tav>
+                                      </p:tavLst>
+                                    </p:anim>
+                                    <p:animEffect transition="in" filter="fade">
+                                      <p:cBhvr>
+                                        <p:cTn id="21" dur="500"/>
+                                        <p:tgtEl>
+                                          <p:spTgt spid="21"/>
+                                        </p:tgtEl>
+                                      </p:cBhvr>
+                                    </p:animEffect>
+                                  </p:childTnLst>
+                                </p:cTn>
+                              </p:par>
+                              <p:par>
+                                <p:cTn id="22" presetID="53" presetClass="entr" presetSubtype="16" fill="hold" grpId="0" nodeType="withEffect">
+                                  <p:stCondLst>
+                                    <p:cond delay="0"/>
+                                  </p:stCondLst>
+                                  <p:childTnLst>
+                                    <p:set>
+                                      <p:cBhvr>
+                                        <p:cTn id="23" dur="1" fill="hold">
+                                          <p:stCondLst>
+                                            <p:cond delay="0"/>
+                                          </p:stCondLst>
+                                        </p:cTn>
+                                        <p:tgtEl>
+                                          <p:spTgt spid="22"/>
+                                        </p:tgtEl>
+                                        <p:attrNameLst>
+                                          <p:attrName>style.visibility</p:attrName>
+                                        </p:attrNameLst>
+                                      </p:cBhvr>
+                                      <p:to>
+                                        <p:strVal val="visible"/>
+                                      </p:to>
+                                    </p:set>
+                                    <p:anim calcmode="lin" valueType="num">
+                                      <p:cBhvr>
+                                        <p:cTn id="24" dur="500" fill="hold"/>
+                                        <p:tgtEl>
+                                          <p:spTgt spid="22"/>
+                                        </p:tgtEl>
+                                        <p:attrNameLst>
+                                          <p:attrName>ppt_w</p:attrName>
+                                        </p:attrNameLst>
+                                      </p:cBhvr>
+                                      <p:tavLst>
+                                        <p:tav tm="0">
+                                          <p:val>
+                                            <p:fltVal val="0"/>
+                                          </p:val>
+                                        </p:tav>
+                                        <p:tav tm="100000">
+                                          <p:val>
+                                            <p:strVal val="#ppt_w"/>
+                                          </p:val>
+                                        </p:tav>
+                                      </p:tavLst>
+                                    </p:anim>
+                                    <p:anim calcmode="lin" valueType="num">
+                                      <p:cBhvr>
+                                        <p:cTn id="25" dur="500" fill="hold"/>
+                                        <p:tgtEl>
+                                          <p:spTgt spid="22"/>
+                                        </p:tgtEl>
+                                        <p:attrNameLst>
+                                          <p:attrName>ppt_h</p:attrName>
+                                        </p:attrNameLst>
+                                      </p:cBhvr>
+                                      <p:tavLst>
+                                        <p:tav tm="0">
+                                          <p:val>
+                                            <p:fltVal val="0"/>
+                                          </p:val>
+                                        </p:tav>
+                                        <p:tav tm="100000">
+                                          <p:val>
+                                            <p:strVal val="#ppt_h"/>
+                                          </p:val>
+                                        </p:tav>
+                                      </p:tavLst>
+                                    </p:anim>
+                                    <p:animEffect transition="in" filter="fade">
+                                      <p:cBhvr>
+                                        <p:cTn id="26" dur="500"/>
+                                        <p:tgtEl>
+                                          <p:spTgt spid="22"/>
+                                        </p:tgtEl>
+                                      </p:cBhvr>
+                                    </p:animEffect>
+                                  </p:childTnLst>
+                                </p:cTn>
+                              </p:par>
+                            </p:childTnLst>
+                          </p:cTn>
+                        </p:par>
+                      </p:childTnLst>
+                    </p:cTn>
+                  </p:par>
+                </p:childTnLst>
+              </p:cTn>
+              <p:prevCondLst>
+                <p:cond evt="onPrev" delay="0">
+                  <p:tgtEl>
+                    <p:sldTgt/>
+                  </p:tgtEl>
+                </p:cond>
+              </p:prevCondLst>
+              <p:nextCondLst>
+                <p:cond evt="onNext" delay="0">
+                  <p:tgtEl>
+                    <p:sldTgt/>
+                  </p:tgtEl>
+                </p:cond>
+              </p:nextCondLst>
+            </p:seq>
+          </p:childTnLst>
+        </p:cTn>
       </p:par>
     </p:tnLst>
+    <p:bldLst>
+      <p:bldP spid="21" grpId="0" animBg="1"/>
+      <p:bldP spid="22" grpId="0" animBg="1"/>
+    </p:bldLst>
   </p:timing>
 </p:sld>
 </file>
@@ -3975,122 +4743,37 @@
       </p:grpSpPr>
       <p:pic>
         <p:nvPicPr>
-          <p:cNvPr id="5" name="Picture 4"/>
+          <p:cNvPr id="3" name="Imagem 25"/>
           <p:cNvPicPr>
             <a:picLocks noChangeAspect="1"/>
           </p:cNvPicPr>
           <p:nvPr/>
         </p:nvPicPr>
         <p:blipFill rotWithShape="1">
-          <a:blip r:embed="rId2"/>
-          <a:srcRect r="25282"/>
+          <a:blip r:embed="rId2">
+            <a:extLst>
+              <a:ext uri="{28A0092B-C50C-407E-A947-70E740481C1C}">
+                <a14:useLocalDpi xmlns:a14="http://schemas.microsoft.com/office/drawing/2010/main" val="0"/>
+              </a:ext>
+            </a:extLst>
+          </a:blip>
+          <a:srcRect l="3725" t="28595" r="533" b="19608"/>
           <a:stretch/>
         </p:blipFill>
         <p:spPr>
           <a:xfrm>
-            <a:off x="957836" y="1229893"/>
-            <a:ext cx="4042592" cy="915988"/>
+            <a:off x="0" y="0"/>
+            <a:ext cx="12192000" cy="5855854"/>
           </a:xfrm>
           <a:prstGeom prst="rect">
             <a:avLst/>
           </a:prstGeom>
-          <a:ln>
-            <a:solidFill>
-              <a:schemeClr val="accent1"/>
-            </a:solidFill>
-          </a:ln>
-        </p:spPr>
-      </p:pic>
-      <p:pic>
-        <p:nvPicPr>
-          <p:cNvPr id="6" name="Picture 5"/>
-          <p:cNvPicPr>
-            <a:picLocks noChangeAspect="1"/>
-          </p:cNvPicPr>
-          <p:nvPr/>
-        </p:nvPicPr>
-        <p:blipFill>
-          <a:blip r:embed="rId3"/>
-          <a:stretch>
-            <a:fillRect/>
-          </a:stretch>
-        </p:blipFill>
-        <p:spPr>
-          <a:xfrm>
-            <a:off x="78770" y="2313247"/>
-            <a:ext cx="5800725" cy="3335990"/>
-          </a:xfrm>
-          <a:prstGeom prst="rect">
-            <a:avLst/>
-          </a:prstGeom>
-          <a:ln>
-            <a:solidFill>
-              <a:schemeClr val="accent1"/>
-            </a:solidFill>
-          </a:ln>
-        </p:spPr>
-      </p:pic>
-      <p:pic>
-        <p:nvPicPr>
-          <p:cNvPr id="7" name="Picture 6"/>
-          <p:cNvPicPr>
-            <a:picLocks noChangeAspect="1"/>
-          </p:cNvPicPr>
-          <p:nvPr/>
-        </p:nvPicPr>
-        <p:blipFill>
-          <a:blip r:embed="rId4"/>
-          <a:stretch>
-            <a:fillRect/>
-          </a:stretch>
-        </p:blipFill>
-        <p:spPr>
-          <a:xfrm>
-            <a:off x="7557247" y="1229893"/>
-            <a:ext cx="3143622" cy="994817"/>
-          </a:xfrm>
-          <a:prstGeom prst="rect">
-            <a:avLst/>
-          </a:prstGeom>
-          <a:ln>
-            <a:solidFill>
-              <a:schemeClr val="accent1"/>
-            </a:solidFill>
-          </a:ln>
-        </p:spPr>
-      </p:pic>
-      <p:pic>
-        <p:nvPicPr>
-          <p:cNvPr id="8" name="Picture 7"/>
-          <p:cNvPicPr>
-            <a:picLocks noChangeAspect="1"/>
-          </p:cNvPicPr>
-          <p:nvPr/>
-        </p:nvPicPr>
-        <p:blipFill rotWithShape="1">
-          <a:blip r:embed="rId5"/>
-          <a:srcRect b="3356"/>
-          <a:stretch/>
-        </p:blipFill>
-        <p:spPr>
-          <a:xfrm>
-            <a:off x="5593562" y="2319249"/>
-            <a:ext cx="6598438" cy="3329988"/>
-          </a:xfrm>
-          <a:prstGeom prst="rect">
-            <a:avLst/>
-          </a:prstGeom>
-          <a:ln>
-            <a:solidFill>
-              <a:schemeClr val="accent1"/>
-            </a:solidFill>
-          </a:ln>
         </p:spPr>
       </p:pic>
     </p:spTree>
     <p:extLst>
       <p:ext uri="{BB962C8B-B14F-4D97-AF65-F5344CB8AC3E}">
-        <p14:creationId xmlns:p14="http://schemas.microsoft.com/office/powerpoint/2010/main" val="2639361827"/>
+        <p14:creationId xmlns:p14="http://schemas.microsoft.com/office/powerpoint/2010/main" val="1374810766"/>
       </p:ext>
     </p:extLst>
   </p:cSld>
@@ -4124,53 +4807,137 @@
           <a:chExt cx="0" cy="0"/>
         </a:xfrm>
       </p:grpSpPr>
-      <p:sp>
-        <p:nvSpPr>
-          <p:cNvPr id="3" name="Content Placeholder 2"/>
-          <p:cNvSpPr>
-            <a:spLocks noGrp="1"/>
-          </p:cNvSpPr>
-          <p:nvPr>
-            <p:ph idx="1"/>
-          </p:nvPr>
-        </p:nvSpPr>
-        <p:spPr/>
-        <p:txBody>
-          <a:bodyPr/>
-          <a:lstStyle/>
-          <a:p>
-            <a:pPr marL="457200" indent="-457200">
-              <a:buFont typeface="+mj-lt"/>
-              <a:buAutoNum type="arabicPeriod"/>
-            </a:pPr>
-            <a:r>
-              <a:rPr lang="pt-BR" dirty="0" smtClean="0"/>
-              <a:t>Abrir o ROADMAP e demonstrar as fases</a:t>
-            </a:r>
-          </a:p>
-          <a:p>
-            <a:pPr marL="457200" indent="-457200">
-              <a:buFont typeface="+mj-lt"/>
-              <a:buAutoNum type="arabicPeriod"/>
-            </a:pPr>
-            <a:r>
-              <a:rPr lang="pt-BR" dirty="0" smtClean="0"/>
-              <a:t>Abrir as planilhas comparativas e demonstrar os resultados obtidos.</a:t>
-            </a:r>
-            <a:endParaRPr lang="en-US" dirty="0"/>
-          </a:p>
-        </p:txBody>
-      </p:sp>
+      <p:pic>
+        <p:nvPicPr>
+          <p:cNvPr id="5" name="Picture 4"/>
+          <p:cNvPicPr>
+            <a:picLocks noChangeAspect="1"/>
+          </p:cNvPicPr>
+          <p:nvPr/>
+        </p:nvPicPr>
+        <p:blipFill rotWithShape="1">
+          <a:blip r:embed="rId2"/>
+          <a:srcRect r="25282"/>
+          <a:stretch/>
+        </p:blipFill>
+        <p:spPr>
+          <a:xfrm>
+            <a:off x="957836" y="1229893"/>
+            <a:ext cx="4042592" cy="915988"/>
+          </a:xfrm>
+          <a:prstGeom prst="rect">
+            <a:avLst/>
+          </a:prstGeom>
+          <a:ln>
+            <a:solidFill>
+              <a:schemeClr val="accent1"/>
+            </a:solidFill>
+          </a:ln>
+        </p:spPr>
+      </p:pic>
+      <p:pic>
+        <p:nvPicPr>
+          <p:cNvPr id="6" name="Picture 5"/>
+          <p:cNvPicPr>
+            <a:picLocks noChangeAspect="1"/>
+          </p:cNvPicPr>
+          <p:nvPr/>
+        </p:nvPicPr>
+        <p:blipFill>
+          <a:blip r:embed="rId3"/>
+          <a:stretch>
+            <a:fillRect/>
+          </a:stretch>
+        </p:blipFill>
+        <p:spPr>
+          <a:xfrm>
+            <a:off x="78770" y="2313247"/>
+            <a:ext cx="5800725" cy="3335990"/>
+          </a:xfrm>
+          <a:prstGeom prst="rect">
+            <a:avLst/>
+          </a:prstGeom>
+          <a:ln>
+            <a:solidFill>
+              <a:schemeClr val="accent1"/>
+            </a:solidFill>
+          </a:ln>
+        </p:spPr>
+      </p:pic>
+      <p:pic>
+        <p:nvPicPr>
+          <p:cNvPr id="7" name="Picture 6"/>
+          <p:cNvPicPr>
+            <a:picLocks noChangeAspect="1"/>
+          </p:cNvPicPr>
+          <p:nvPr/>
+        </p:nvPicPr>
+        <p:blipFill>
+          <a:blip r:embed="rId4"/>
+          <a:stretch>
+            <a:fillRect/>
+          </a:stretch>
+        </p:blipFill>
+        <p:spPr>
+          <a:xfrm>
+            <a:off x="7557247" y="1229893"/>
+            <a:ext cx="3143622" cy="994817"/>
+          </a:xfrm>
+          <a:prstGeom prst="rect">
+            <a:avLst/>
+          </a:prstGeom>
+          <a:ln>
+            <a:solidFill>
+              <a:schemeClr val="accent1"/>
+            </a:solidFill>
+          </a:ln>
+        </p:spPr>
+      </p:pic>
+      <p:pic>
+        <p:nvPicPr>
+          <p:cNvPr id="8" name="Picture 7"/>
+          <p:cNvPicPr>
+            <a:picLocks noChangeAspect="1"/>
+          </p:cNvPicPr>
+          <p:nvPr/>
+        </p:nvPicPr>
+        <p:blipFill rotWithShape="1">
+          <a:blip r:embed="rId5"/>
+          <a:srcRect b="3356"/>
+          <a:stretch/>
+        </p:blipFill>
+        <p:spPr>
+          <a:xfrm>
+            <a:off x="5593562" y="2319249"/>
+            <a:ext cx="6598438" cy="3329988"/>
+          </a:xfrm>
+          <a:prstGeom prst="rect">
+            <a:avLst/>
+          </a:prstGeom>
+          <a:ln>
+            <a:solidFill>
+              <a:schemeClr val="accent1"/>
+            </a:solidFill>
+          </a:ln>
+        </p:spPr>
+      </p:pic>
     </p:spTree>
     <p:extLst>
       <p:ext uri="{BB962C8B-B14F-4D97-AF65-F5344CB8AC3E}">
-        <p14:creationId xmlns:p14="http://schemas.microsoft.com/office/powerpoint/2010/main" val="3541845280"/>
+        <p14:creationId xmlns:p14="http://schemas.microsoft.com/office/powerpoint/2010/main" val="2639361827"/>
       </p:ext>
     </p:extLst>
   </p:cSld>
   <p:clrMapOvr>
     <a:masterClrMapping/>
   </p:clrMapOvr>
+  <p:timing>
+    <p:tnLst>
+      <p:par>
+        <p:cTn id="1" dur="indefinite" restart="never" nodeType="tmRoot"/>
+      </p:par>
+    </p:tnLst>
+  </p:timing>
 </p:sld>
 </file>
 
@@ -4193,6 +4960,233 @@
       </p:grpSpPr>
       <p:sp>
         <p:nvSpPr>
+          <p:cNvPr id="2" name="Título 1"/>
+          <p:cNvSpPr>
+            <a:spLocks noGrp="1"/>
+          </p:cNvSpPr>
+          <p:nvPr>
+            <p:ph type="title"/>
+          </p:nvPr>
+        </p:nvSpPr>
+        <p:spPr/>
+        <p:txBody>
+          <a:bodyPr/>
+          <a:lstStyle/>
+          <a:p>
+            <a:r>
+              <a:rPr lang="pt-BR" dirty="0" smtClean="0"/>
+              <a:t>Questões a serem lançadas:</a:t>
+            </a:r>
+            <a:endParaRPr lang="pt-BR" dirty="0"/>
+          </a:p>
+        </p:txBody>
+      </p:sp>
+      <p:sp>
+        <p:nvSpPr>
+          <p:cNvPr id="3" name="Espaço Reservado para Conteúdo 2"/>
+          <p:cNvSpPr>
+            <a:spLocks noGrp="1"/>
+          </p:cNvSpPr>
+          <p:nvPr>
+            <p:ph idx="1"/>
+          </p:nvPr>
+        </p:nvSpPr>
+        <p:spPr/>
+        <p:txBody>
+          <a:bodyPr/>
+          <a:lstStyle/>
+          <a:p>
+            <a:r>
+              <a:rPr lang="pt-BR" dirty="0" smtClean="0"/>
+              <a:t>- Observa-se 1 Não Conformidade &gt;&gt; retorna ao passo anterior</a:t>
+            </a:r>
+          </a:p>
+          <a:p>
+            <a:r>
+              <a:rPr lang="pt-BR" dirty="0" smtClean="0"/>
+              <a:t>- Observa-se outra(s) </a:t>
+            </a:r>
+            <a:r>
+              <a:rPr lang="pt-BR" dirty="0"/>
+              <a:t>Não Conformidade</a:t>
+            </a:r>
+            <a:r>
+              <a:rPr lang="pt-BR" dirty="0" smtClean="0"/>
+              <a:t> (s) &gt;&gt; retorna ao passo anterior (novamente)</a:t>
+            </a:r>
+          </a:p>
+          <a:p>
+            <a:endParaRPr lang="pt-BR" dirty="0"/>
+          </a:p>
+          <a:p>
+            <a:r>
+              <a:rPr lang="pt-BR" dirty="0" smtClean="0"/>
+              <a:t>O que vocês acham?</a:t>
+            </a:r>
+          </a:p>
+          <a:p>
+            <a:r>
+              <a:rPr lang="pt-BR" dirty="0" smtClean="0"/>
+              <a:t>PERGUNTA 1: Qual seria o cenário ideal ? – Retornar quantas vezes?</a:t>
+            </a:r>
+          </a:p>
+          <a:p>
+            <a:r>
+              <a:rPr lang="pt-BR" dirty="0" smtClean="0"/>
+              <a:t>PERGUNTA 2: COMO fazer  para não haver retornos? / Quais os motivos dos retornos?</a:t>
+            </a:r>
+            <a:endParaRPr lang="pt-BR" dirty="0"/>
+          </a:p>
+        </p:txBody>
+      </p:sp>
+    </p:spTree>
+    <p:extLst>
+      <p:ext uri="{BB962C8B-B14F-4D97-AF65-F5344CB8AC3E}">
+        <p14:creationId xmlns:p14="http://schemas.microsoft.com/office/powerpoint/2010/main" val="6324829"/>
+      </p:ext>
+    </p:extLst>
+  </p:cSld>
+  <p:clrMapOvr>
+    <a:masterClrMapping/>
+  </p:clrMapOvr>
+  <p:timing>
+    <p:tnLst>
+      <p:par>
+        <p:cTn id="1" dur="indefinite" restart="never" nodeType="tmRoot"/>
+      </p:par>
+    </p:tnLst>
+  </p:timing>
+</p:sld>
+</file>
+
+<file path=ppt/slides/slide7.xml><?xml version="1.0" encoding="utf-8"?>
+<p:sld xmlns:a="http://schemas.openxmlformats.org/drawingml/2006/main" xmlns:r="http://schemas.openxmlformats.org/officeDocument/2006/relationships" xmlns:p="http://schemas.openxmlformats.org/presentationml/2006/main">
+  <p:cSld>
+    <p:spTree>
+      <p:nvGrpSpPr>
+        <p:cNvPr id="1" name=""/>
+        <p:cNvGrpSpPr/>
+        <p:nvPr/>
+      </p:nvGrpSpPr>
+      <p:grpSpPr>
+        <a:xfrm>
+          <a:off x="0" y="0"/>
+          <a:ext cx="0" cy="0"/>
+          <a:chOff x="0" y="0"/>
+          <a:chExt cx="0" cy="0"/>
+        </a:xfrm>
+      </p:grpSpPr>
+      <p:sp>
+        <p:nvSpPr>
+          <p:cNvPr id="3" name="Content Placeholder 2"/>
+          <p:cNvSpPr>
+            <a:spLocks noGrp="1"/>
+          </p:cNvSpPr>
+          <p:nvPr>
+            <p:ph idx="1"/>
+          </p:nvPr>
+        </p:nvSpPr>
+        <p:spPr/>
+        <p:txBody>
+          <a:bodyPr/>
+          <a:lstStyle/>
+          <a:p>
+            <a:pPr marL="457200" indent="-457200">
+              <a:buFont typeface="+mj-lt"/>
+              <a:buAutoNum type="arabicPeriod"/>
+            </a:pPr>
+            <a:r>
+              <a:rPr lang="pt-BR" dirty="0" smtClean="0"/>
+              <a:t>Abrir o ROADMAP e demonstrar as fases</a:t>
+            </a:r>
+          </a:p>
+          <a:p>
+            <a:pPr marL="457200" indent="-457200">
+              <a:buFont typeface="+mj-lt"/>
+              <a:buAutoNum type="arabicPeriod"/>
+            </a:pPr>
+            <a:r>
+              <a:rPr lang="pt-BR" dirty="0" smtClean="0"/>
+              <a:t>Abrir as planilhas comparativas e demonstrar os resultados obtidos.</a:t>
+            </a:r>
+            <a:endParaRPr lang="en-US" dirty="0"/>
+          </a:p>
+        </p:txBody>
+      </p:sp>
+      <p:sp>
+        <p:nvSpPr>
+          <p:cNvPr id="4" name="Título 1"/>
+          <p:cNvSpPr>
+            <a:spLocks noGrp="1"/>
+          </p:cNvSpPr>
+          <p:nvPr>
+            <p:ph type="title"/>
+          </p:nvPr>
+        </p:nvSpPr>
+        <p:spPr>
+          <a:xfrm>
+            <a:off x="1097280" y="286603"/>
+            <a:ext cx="10058400" cy="1450757"/>
+          </a:xfrm>
+        </p:spPr>
+        <p:txBody>
+          <a:bodyPr/>
+          <a:lstStyle/>
+          <a:p>
+            <a:r>
+              <a:rPr lang="pt-BR" dirty="0" smtClean="0"/>
+              <a:t>Baseado nas perguntas anteriores...</a:t>
+            </a:r>
+            <a:br>
+              <a:rPr lang="pt-BR" dirty="0" smtClean="0"/>
+            </a:br>
+            <a:r>
+              <a:rPr lang="pt-BR" dirty="0" smtClean="0"/>
+              <a:t>Elaboramos o seguinte estudo:</a:t>
+            </a:r>
+            <a:endParaRPr lang="pt-BR" dirty="0"/>
+          </a:p>
+        </p:txBody>
+      </p:sp>
+    </p:spTree>
+    <p:extLst>
+      <p:ext uri="{BB962C8B-B14F-4D97-AF65-F5344CB8AC3E}">
+        <p14:creationId xmlns:p14="http://schemas.microsoft.com/office/powerpoint/2010/main" val="3541845280"/>
+      </p:ext>
+    </p:extLst>
+  </p:cSld>
+  <p:clrMapOvr>
+    <a:masterClrMapping/>
+  </p:clrMapOvr>
+  <p:timing>
+    <p:tnLst>
+      <p:par>
+        <p:cTn id="1" dur="indefinite" restart="never" nodeType="tmRoot"/>
+      </p:par>
+    </p:tnLst>
+  </p:timing>
+</p:sld>
+</file>
+
+<file path=ppt/slides/slide8.xml><?xml version="1.0" encoding="utf-8"?>
+<p:sld xmlns:a="http://schemas.openxmlformats.org/drawingml/2006/main" xmlns:r="http://schemas.openxmlformats.org/officeDocument/2006/relationships" xmlns:p="http://schemas.openxmlformats.org/presentationml/2006/main">
+  <p:cSld>
+    <p:spTree>
+      <p:nvGrpSpPr>
+        <p:cNvPr id="1" name=""/>
+        <p:cNvGrpSpPr/>
+        <p:nvPr/>
+      </p:nvGrpSpPr>
+      <p:grpSpPr>
+        <a:xfrm>
+          <a:off x="0" y="0"/>
+          <a:ext cx="0" cy="0"/>
+          <a:chOff x="0" y="0"/>
+          <a:chExt cx="0" cy="0"/>
+        </a:xfrm>
+      </p:grpSpPr>
+      <p:sp>
+        <p:nvSpPr>
           <p:cNvPr id="2" name="Title 1"/>
           <p:cNvSpPr>
             <a:spLocks noGrp="1"/>
@@ -4262,6 +5256,13 @@
   <p:clrMapOvr>
     <a:masterClrMapping/>
   </p:clrMapOvr>
+  <p:timing>
+    <p:tnLst>
+      <p:par>
+        <p:cTn id="1" dur="indefinite" restart="never" nodeType="tmRoot"/>
+      </p:par>
+    </p:tnLst>
+  </p:timing>
 </p:sld>
 </file>
 
